--- a/presentation/session1/MIE2024-DataIM-Masterclass-Session1.pptx
+++ b/presentation/session1/MIE2024-DataIM-Masterclass-Session1.pptx
@@ -10878,7 +10878,7 @@
           <a:p>
             <a:fld id="{2715C071-7BAF-4C5C-9B54-C340436C473A}" type="datetimeFigureOut">
               <a:rPr lang="nl-NL" smtClean="0"/>
-              <a:t>13-3-2024</a:t>
+              <a:t>14-3-2024</a:t>
             </a:fld>
             <a:endParaRPr lang="nl-NL"/>
           </a:p>
@@ -12265,6 +12265,64 @@
           <a:bodyPr/>
           <a:lstStyle/>
           <a:p>
+            <a:r>
+              <a:rPr lang="nl-NL" dirty="0"/>
+              <a:t>Afhankelijk van het doel van de code zijn </a:t>
+            </a:r>
+            <a:r>
+              <a:rPr lang="nl-NL" i="1" dirty="0"/>
+              <a:t>snelheid, geheugengebruik </a:t>
+            </a:r>
+            <a:r>
+              <a:rPr lang="nl-NL" i="0" dirty="0"/>
+              <a:t>en </a:t>
+            </a:r>
+            <a:r>
+              <a:rPr lang="nl-NL" i="1" dirty="0"/>
+              <a:t>eenvoudige syntax</a:t>
+            </a:r>
+            <a:r>
+              <a:rPr lang="nl-NL" i="0" dirty="0"/>
+              <a:t> meer of minder belangrijk. </a:t>
+            </a:r>
+          </a:p>
+          <a:p>
+            <a:endParaRPr lang="nl-NL" i="0" dirty="0"/>
+          </a:p>
+          <a:p>
+            <a:r>
+              <a:rPr lang="nl-NL" i="0" dirty="0"/>
+              <a:t>Bij handmatige dataverkenningen is het minder belangrijk dat de code snel draait; bij een productie-dashboard doet snelheid er des te meer toe. </a:t>
+            </a:r>
+          </a:p>
+          <a:p>
+            <a:endParaRPr lang="nl-NL" i="0" dirty="0"/>
+          </a:p>
+          <a:p>
+            <a:r>
+              <a:rPr lang="nl-NL" i="0" dirty="0" err="1"/>
+              <a:t>data.table</a:t>
+            </a:r>
+            <a:r>
+              <a:rPr lang="nl-NL" i="0" dirty="0"/>
+              <a:t> wordt weliswaar minder gebruikt dan </a:t>
+            </a:r>
+            <a:r>
+              <a:rPr lang="nl-NL" i="0" dirty="0" err="1"/>
+              <a:t>tidyverse</a:t>
+            </a:r>
+            <a:r>
+              <a:rPr lang="nl-NL" i="0" dirty="0"/>
+              <a:t>, maar de </a:t>
+            </a:r>
+            <a:r>
+              <a:rPr lang="nl-NL" i="0" dirty="0" err="1"/>
+              <a:t>library</a:t>
+            </a:r>
+            <a:r>
+              <a:rPr lang="nl-NL" i="0" dirty="0"/>
+              <a:t> is superieur qua performance. </a:t>
+            </a:r>
             <a:endParaRPr lang="nl-NL" dirty="0"/>
           </a:p>
         </p:txBody>
@@ -13747,10 +13805,10 @@
       </p:pic>
       <p:pic>
         <p:nvPicPr>
-          <p:cNvPr id="12" name="Afbeelding 11">
+          <p:cNvPr id="4" name="Afbeelding 3">
             <a:extLst>
               <a:ext uri="{FF2B5EF4-FFF2-40B4-BE49-F238E27FC236}">
-                <a16:creationId xmlns:a16="http://schemas.microsoft.com/office/drawing/2014/main" id="{2E45078B-6B23-D6AF-C4D6-AA6AEF7A41CB}"/>
+                <a16:creationId xmlns:a16="http://schemas.microsoft.com/office/drawing/2014/main" id="{B650295A-C02A-295D-D2FF-E9466D0612CB}"/>
               </a:ext>
             </a:extLst>
           </p:cNvPr>
@@ -13767,8 +13825,8 @@
         </p:blipFill>
         <p:spPr>
           <a:xfrm>
-            <a:off x="4595812" y="2470251"/>
-            <a:ext cx="5380655" cy="3136900"/>
+            <a:off x="4697558" y="2470251"/>
+            <a:ext cx="4687888" cy="2733020"/>
           </a:xfrm>
           <a:prstGeom prst="rect">
             <a:avLst/>
@@ -14001,7 +14059,7 @@
                                           </p:stCondLst>
                                         </p:cTn>
                                         <p:tgtEl>
-                                          <p:spTgt spid="12"/>
+                                          <p:spTgt spid="4"/>
                                         </p:tgtEl>
                                         <p:attrNameLst>
                                           <p:attrName>style.visibility</p:attrName>
@@ -14015,7 +14073,7 @@
                                       <p:cBhvr additive="base">
                                         <p:cTn id="19" dur="500" fill="hold"/>
                                         <p:tgtEl>
-                                          <p:spTgt spid="12"/>
+                                          <p:spTgt spid="4"/>
                                         </p:tgtEl>
                                         <p:attrNameLst>
                                           <p:attrName>ppt_x</p:attrName>
@@ -14038,7 +14096,7 @@
                                       <p:cBhvr additive="base">
                                         <p:cTn id="20" dur="500" fill="hold"/>
                                         <p:tgtEl>
-                                          <p:spTgt spid="12"/>
+                                          <p:spTgt spid="4"/>
                                         </p:tgtEl>
                                         <p:attrNameLst>
                                           <p:attrName>ppt_y</p:attrName>
@@ -26054,8 +26112,8 @@
           </a:p>
         </p:txBody>
       </p:sp>
-      <mc:AlternateContent xmlns:mc="http://schemas.openxmlformats.org/markup-compatibility/2006">
-        <mc:Choice xmlns:p14="http://schemas.microsoft.com/office/powerpoint/2010/main" Requires="p14">
+      <mc:AlternateContent xmlns:mc="http://schemas.openxmlformats.org/markup-compatibility/2006" xmlns:p14="http://schemas.microsoft.com/office/powerpoint/2010/main">
+        <mc:Choice Requires="p14">
           <p:contentPart p14:bwMode="auto" r:id="rId4">
             <p14:nvContentPartPr>
               <p14:cNvPr id="4" name="Ink 3">
@@ -26074,7 +26132,7 @@
             </p14:xfrm>
           </p:contentPart>
         </mc:Choice>
-        <mc:Fallback>
+        <mc:Fallback xmlns="">
           <p:pic>
             <p:nvPicPr>
               <p:cNvPr id="4" name="Ink 3">
@@ -42487,17 +42545,6 @@
 </file>
 
 <file path=customXml/item1.xml><?xml version="1.0" encoding="utf-8"?>
-<p:properties xmlns:p="http://schemas.microsoft.com/office/2006/metadata/properties" xmlns:xsi="http://www.w3.org/2001/XMLSchema-instance" xmlns:pc="http://schemas.microsoft.com/office/infopath/2007/PartnerControls">
-  <documentManagement>
-    <lcf76f155ced4ddcb4097134ff3c332f xmlns="9c5a206d-b938-4884-b132-8a290c966188">
-      <Terms xmlns="http://schemas.microsoft.com/office/infopath/2007/PartnerControls"/>
-    </lcf76f155ced4ddcb4097134ff3c332f>
-    <TaxCatchAll xmlns="9b1463cd-8617-4935-ac0c-8d0310cc0c27" xsi:nil="true"/>
-  </documentManagement>
-</p:properties>
-</file>
-
-<file path=customXml/item2.xml><?xml version="1.0" encoding="utf-8"?>
 <?mso-contentType ?>
 <FormTemplates xmlns="http://schemas.microsoft.com/sharepoint/v3/contenttype/forms">
   <Display>DocumentLibraryForm</Display>
@@ -42506,7 +42553,7 @@
 </FormTemplates>
 </file>
 
-<file path=customXml/item3.xml><?xml version="1.0" encoding="utf-8"?>
+<file path=customXml/item2.xml><?xml version="1.0" encoding="utf-8"?>
 <ct:contentTypeSchema xmlns:ct="http://schemas.microsoft.com/office/2006/metadata/contentType" xmlns:ma="http://schemas.microsoft.com/office/2006/metadata/properties/metaAttributes" ct:_="" ma:_="" ma:contentTypeName="Document" ma:contentTypeID="0x0101007F0237082AB0944A9FC216E2DA5620D5" ma:contentTypeVersion="18" ma:contentTypeDescription="Een nieuw document maken." ma:contentTypeScope="" ma:versionID="4f1caa9287d9488e20316eb0fee938e9">
   <xsd:schema xmlns:xsd="http://www.w3.org/2001/XMLSchema" xmlns:xs="http://www.w3.org/2001/XMLSchema" xmlns:p="http://schemas.microsoft.com/office/2006/metadata/properties" xmlns:ns2="9c5a206d-b938-4884-b132-8a290c966188" xmlns:ns3="9b1463cd-8617-4935-ac0c-8d0310cc0c27" targetNamespace="http://schemas.microsoft.com/office/2006/metadata/properties" ma:root="true" ma:fieldsID="aaa2e803268428d24b688eb9cf6a5a07" ns2:_="" ns3:_="">
     <xsd:import namespace="9c5a206d-b938-4884-b132-8a290c966188"/>
@@ -42761,24 +42808,18 @@
 </ct:contentTypeSchema>
 </file>
 
-<file path=customXml/itemProps1.xml><?xml version="1.0" encoding="utf-8"?>
-<ds:datastoreItem xmlns:ds="http://schemas.openxmlformats.org/officeDocument/2006/customXml" ds:itemID="{14998129-EF39-4E22-9AD7-F42BFEDA1730}">
-  <ds:schemaRefs>
-    <ds:schemaRef ds:uri="http://schemas.microsoft.com/office/infopath/2007/PartnerControls"/>
-    <ds:schemaRef ds:uri="http://schemas.microsoft.com/office/2006/documentManagement/types"/>
-    <ds:schemaRef ds:uri="http://purl.org/dc/elements/1.1/"/>
-    <ds:schemaRef ds:uri="http://schemas.microsoft.com/office/2006/metadata/properties"/>
-    <ds:schemaRef ds:uri="http://www.w3.org/XML/1998/namespace"/>
-    <ds:schemaRef ds:uri="http://purl.org/dc/terms/"/>
-    <ds:schemaRef ds:uri="http://purl.org/dc/dcmitype/"/>
-    <ds:schemaRef ds:uri="http://schemas.openxmlformats.org/package/2006/metadata/core-properties"/>
-    <ds:schemaRef ds:uri="9b1463cd-8617-4935-ac0c-8d0310cc0c27"/>
-    <ds:schemaRef ds:uri="9c5a206d-b938-4884-b132-8a290c966188"/>
-  </ds:schemaRefs>
-</ds:datastoreItem>
+<file path=customXml/item3.xml><?xml version="1.0" encoding="utf-8"?>
+<p:properties xmlns:p="http://schemas.microsoft.com/office/2006/metadata/properties" xmlns:xsi="http://www.w3.org/2001/XMLSchema-instance" xmlns:pc="http://schemas.microsoft.com/office/infopath/2007/PartnerControls">
+  <documentManagement>
+    <lcf76f155ced4ddcb4097134ff3c332f xmlns="9c5a206d-b938-4884-b132-8a290c966188">
+      <Terms xmlns="http://schemas.microsoft.com/office/infopath/2007/PartnerControls"/>
+    </lcf76f155ced4ddcb4097134ff3c332f>
+    <TaxCatchAll xmlns="9b1463cd-8617-4935-ac0c-8d0310cc0c27" xsi:nil="true"/>
+  </documentManagement>
+</p:properties>
 </file>
 
-<file path=customXml/itemProps2.xml><?xml version="1.0" encoding="utf-8"?>
+<file path=customXml/itemProps1.xml><?xml version="1.0" encoding="utf-8"?>
 <ds:datastoreItem xmlns:ds="http://schemas.openxmlformats.org/officeDocument/2006/customXml" ds:itemID="{BA48266C-CCCF-48F1-80D3-1F408859C50D}">
   <ds:schemaRefs>
     <ds:schemaRef ds:uri="http://schemas.microsoft.com/sharepoint/v3/contenttype/forms"/>
@@ -42786,7 +42827,7 @@
 </ds:datastoreItem>
 </file>
 
-<file path=customXml/itemProps3.xml><?xml version="1.0" encoding="utf-8"?>
+<file path=customXml/itemProps2.xml><?xml version="1.0" encoding="utf-8"?>
 <ds:datastoreItem xmlns:ds="http://schemas.openxmlformats.org/officeDocument/2006/customXml" ds:itemID="{B71804E9-FB14-4B03-AE64-B68AF3220F70}">
   <ds:schemaRefs>
     <ds:schemaRef ds:uri="http://schemas.microsoft.com/office/2006/metadata/contentType"/>
@@ -42803,4 +42844,21 @@
     <ds:schemaRef ds:uri="http://schemas.microsoft.com/internal/obd"/>
   </ds:schemaRefs>
 </ds:datastoreItem>
+</file>
+
+<file path=customXml/itemProps3.xml><?xml version="1.0" encoding="utf-8"?>
+<ds:datastoreItem xmlns:ds="http://schemas.openxmlformats.org/officeDocument/2006/customXml" ds:itemID="{14998129-EF39-4E22-9AD7-F42BFEDA1730}">
+  <ds:schemaRefs>
+    <ds:schemaRef ds:uri="http://schemas.microsoft.com/office/infopath/2007/PartnerControls"/>
+    <ds:schemaRef ds:uri="http://schemas.microsoft.com/office/2006/documentManagement/types"/>
+    <ds:schemaRef ds:uri="http://purl.org/dc/elements/1.1/"/>
+    <ds:schemaRef ds:uri="http://schemas.microsoft.com/office/2006/metadata/properties"/>
+    <ds:schemaRef ds:uri="http://www.w3.org/XML/1998/namespace"/>
+    <ds:schemaRef ds:uri="http://purl.org/dc/terms/"/>
+    <ds:schemaRef ds:uri="http://purl.org/dc/dcmitype/"/>
+    <ds:schemaRef ds:uri="http://schemas.openxmlformats.org/package/2006/metadata/core-properties"/>
+    <ds:schemaRef ds:uri="9b1463cd-8617-4935-ac0c-8d0310cc0c27"/>
+    <ds:schemaRef ds:uri="9c5a206d-b938-4884-b132-8a290c966188"/>
+  </ds:schemaRefs>
+</ds:datastoreItem>
 </file>